--- a/ppt/angular/Angular06-Binding.pptx
+++ b/ppt/angular/Angular06-Binding.pptx
@@ -3694,21 +3694,17 @@
           <a:p>
             <a:pPr eaLnBrk="1" hangingPunct="1"/>
             <a:r>
+              <a:rPr lang="fr-FR" altLang="fr-FR" dirty="0" smtClean="0"/>
+              <a:t>Chapitre 6</a:t>
+            </a:r>
+          </a:p>
+          <a:p>
+            <a:pPr eaLnBrk="1" hangingPunct="1"/>
+            <a:r>
               <a:rPr lang="fr-FR" altLang="fr-FR" smtClean="0"/>
-              <a:t>Chapitre </a:t>
-            </a:r>
-            <a:r>
-              <a:rPr lang="fr-FR" altLang="fr-FR" smtClean="0"/>
-              <a:t>6</a:t>
+              <a:t>Binding</a:t>
             </a:r>
             <a:endParaRPr lang="fr-FR" altLang="fr-FR" dirty="0" smtClean="0"/>
-          </a:p>
-          <a:p>
-            <a:pPr eaLnBrk="1" hangingPunct="1"/>
-            <a:r>
-              <a:rPr lang="fr-FR" altLang="fr-FR" dirty="0" smtClean="0"/>
-              <a:t>Introduction</a:t>
-            </a:r>
           </a:p>
         </p:txBody>
       </p:sp>
@@ -4039,6 +4035,13 @@
   <p:clrMapOvr>
     <a:masterClrMapping/>
   </p:clrMapOvr>
+  <p:timing>
+    <p:tnLst>
+      <p:par>
+        <p:cTn id="1" dur="indefinite" restart="never" nodeType="tmRoot"/>
+      </p:par>
+    </p:tnLst>
+  </p:timing>
 </p:sld>
 </file>
 

--- a/ppt/angular/Angular06-Binding.pptx
+++ b/ppt/angular/Angular06-Binding.pptx
@@ -5,10 +5,10 @@
     <p:sldMasterId id="2147483653" r:id="rId1"/>
   </p:sldMasterIdLst>
   <p:notesMasterIdLst>
-    <p:notesMasterId r:id="rId9"/>
+    <p:notesMasterId r:id="rId20"/>
   </p:notesMasterIdLst>
   <p:handoutMasterIdLst>
-    <p:handoutMasterId r:id="rId10"/>
+    <p:handoutMasterId r:id="rId21"/>
   </p:handoutMasterIdLst>
   <p:sldIdLst>
     <p:sldId id="264" r:id="rId2"/>
@@ -18,6 +18,17 @@
     <p:sldId id="283" r:id="rId6"/>
     <p:sldId id="284" r:id="rId7"/>
     <p:sldId id="273" r:id="rId8"/>
+    <p:sldId id="285" r:id="rId9"/>
+    <p:sldId id="286" r:id="rId10"/>
+    <p:sldId id="287" r:id="rId11"/>
+    <p:sldId id="288" r:id="rId12"/>
+    <p:sldId id="289" r:id="rId13"/>
+    <p:sldId id="290" r:id="rId14"/>
+    <p:sldId id="291" r:id="rId15"/>
+    <p:sldId id="292" r:id="rId16"/>
+    <p:sldId id="293" r:id="rId17"/>
+    <p:sldId id="294" r:id="rId18"/>
+    <p:sldId id="295" r:id="rId19"/>
   </p:sldIdLst>
   <p:sldSz cx="9144000" cy="6858000" type="screen4x3"/>
   <p:notesSz cx="6648450" cy="9782175"/>
@@ -3946,6 +3957,1585 @@
 </p:sld>
 </file>
 
+<file path=ppt/slides/slide10.xml><?xml version="1.0" encoding="utf-8"?>
+<p:sld xmlns:a="http://schemas.openxmlformats.org/drawingml/2006/main" xmlns:r="http://schemas.openxmlformats.org/officeDocument/2006/relationships" xmlns:p="http://schemas.openxmlformats.org/presentationml/2006/main">
+  <p:cSld>
+    <p:spTree>
+      <p:nvGrpSpPr>
+        <p:cNvPr id="1" name=""/>
+        <p:cNvGrpSpPr/>
+        <p:nvPr/>
+      </p:nvGrpSpPr>
+      <p:grpSpPr>
+        <a:xfrm>
+          <a:off x="0" y="0"/>
+          <a:ext cx="0" cy="0"/>
+          <a:chOff x="0" y="0"/>
+          <a:chExt cx="0" cy="0"/>
+        </a:xfrm>
+      </p:grpSpPr>
+      <p:sp>
+        <p:nvSpPr>
+          <p:cNvPr id="2" name="Titre 1"/>
+          <p:cNvSpPr>
+            <a:spLocks noGrp="1"/>
+          </p:cNvSpPr>
+          <p:nvPr>
+            <p:ph type="title"/>
+          </p:nvPr>
+        </p:nvSpPr>
+        <p:spPr/>
+        <p:txBody>
+          <a:bodyPr/>
+          <a:lstStyle/>
+          <a:p>
+            <a:r>
+              <a:rPr lang="fr-FR" dirty="0" smtClean="0"/>
+              <a:t>Binding </a:t>
+            </a:r>
+            <a:r>
+              <a:rPr lang="fr-FR" dirty="0" err="1" smtClean="0"/>
+              <a:t>two-way</a:t>
+            </a:r>
+            <a:endParaRPr lang="fr-FR" dirty="0"/>
+          </a:p>
+        </p:txBody>
+      </p:sp>
+      <p:sp>
+        <p:nvSpPr>
+          <p:cNvPr id="3" name="Espace réservé du contenu 2"/>
+          <p:cNvSpPr>
+            <a:spLocks noGrp="1"/>
+          </p:cNvSpPr>
+          <p:nvPr>
+            <p:ph idx="1"/>
+          </p:nvPr>
+        </p:nvSpPr>
+        <p:spPr/>
+        <p:txBody>
+          <a:bodyPr/>
+          <a:lstStyle/>
+          <a:p>
+            <a:r>
+              <a:rPr lang="fr-FR" dirty="0" smtClean="0"/>
+              <a:t>Le binding </a:t>
+            </a:r>
+            <a:r>
+              <a:rPr lang="fr-FR" dirty="0" err="1" smtClean="0"/>
+              <a:t>two-way</a:t>
+            </a:r>
+            <a:r>
+              <a:rPr lang="fr-FR" dirty="0" smtClean="0"/>
+              <a:t> marche dans les 2 sens</a:t>
+            </a:r>
+          </a:p>
+          <a:p>
+            <a:pPr lvl="1"/>
+            <a:r>
+              <a:rPr lang="fr-FR" dirty="0"/>
+              <a:t>[(</a:t>
+            </a:r>
+            <a:r>
+              <a:rPr lang="fr-FR" dirty="0" err="1"/>
+              <a:t>target</a:t>
+            </a:r>
+            <a:r>
+              <a:rPr lang="fr-FR" dirty="0"/>
+              <a:t>)]="expression"</a:t>
+            </a:r>
+          </a:p>
+          <a:p>
+            <a:pPr lvl="1"/>
+            <a:r>
+              <a:rPr lang="fr-FR" dirty="0" err="1"/>
+              <a:t>bindon-target</a:t>
+            </a:r>
+            <a:r>
+              <a:rPr lang="fr-FR" dirty="0"/>
+              <a:t>="expression"</a:t>
+            </a:r>
+          </a:p>
+        </p:txBody>
+      </p:sp>
+    </p:spTree>
+    <p:extLst>
+      <p:ext uri="{BB962C8B-B14F-4D97-AF65-F5344CB8AC3E}">
+        <p14:creationId xmlns:p14="http://schemas.microsoft.com/office/powerpoint/2010/main" val="2741504678"/>
+      </p:ext>
+    </p:extLst>
+  </p:cSld>
+  <p:clrMapOvr>
+    <a:masterClrMapping/>
+  </p:clrMapOvr>
+</p:sld>
+</file>
+
+<file path=ppt/slides/slide11.xml><?xml version="1.0" encoding="utf-8"?>
+<p:sld xmlns:a="http://schemas.openxmlformats.org/drawingml/2006/main" xmlns:r="http://schemas.openxmlformats.org/officeDocument/2006/relationships" xmlns:p="http://schemas.openxmlformats.org/presentationml/2006/main">
+  <p:cSld>
+    <p:spTree>
+      <p:nvGrpSpPr>
+        <p:cNvPr id="1" name=""/>
+        <p:cNvGrpSpPr/>
+        <p:nvPr/>
+      </p:nvGrpSpPr>
+      <p:grpSpPr>
+        <a:xfrm>
+          <a:off x="0" y="0"/>
+          <a:ext cx="0" cy="0"/>
+          <a:chOff x="0" y="0"/>
+          <a:chExt cx="0" cy="0"/>
+        </a:xfrm>
+      </p:grpSpPr>
+      <p:sp>
+        <p:nvSpPr>
+          <p:cNvPr id="2" name="Titre 1"/>
+          <p:cNvSpPr>
+            <a:spLocks noGrp="1"/>
+          </p:cNvSpPr>
+          <p:nvPr>
+            <p:ph type="title"/>
+          </p:nvPr>
+        </p:nvSpPr>
+        <p:spPr/>
+        <p:txBody>
+          <a:bodyPr/>
+          <a:lstStyle/>
+          <a:p>
+            <a:r>
+              <a:rPr lang="fr-FR" dirty="0" err="1" smtClean="0"/>
+              <a:t>ngModelChange</a:t>
+            </a:r>
+            <a:endParaRPr lang="fr-FR" dirty="0"/>
+          </a:p>
+        </p:txBody>
+      </p:sp>
+      <p:sp>
+        <p:nvSpPr>
+          <p:cNvPr id="3" name="Espace réservé du contenu 2"/>
+          <p:cNvSpPr>
+            <a:spLocks noGrp="1"/>
+          </p:cNvSpPr>
+          <p:nvPr>
+            <p:ph idx="1"/>
+          </p:nvPr>
+        </p:nvSpPr>
+        <p:spPr/>
+        <p:txBody>
+          <a:bodyPr/>
+          <a:lstStyle/>
+          <a:p>
+            <a:r>
+              <a:rPr lang="fr-FR" dirty="0" smtClean="0"/>
+              <a:t>Evènement lors du changement de </a:t>
+            </a:r>
+            <a:r>
+              <a:rPr lang="fr-FR" dirty="0" err="1" smtClean="0"/>
+              <a:t>ngModel</a:t>
+            </a:r>
+            <a:endParaRPr lang="fr-FR" dirty="0" smtClean="0"/>
+          </a:p>
+          <a:p>
+            <a:pPr lvl="1"/>
+            <a:r>
+              <a:rPr lang="fr-FR" dirty="0"/>
+              <a:t>&lt;</a:t>
+            </a:r>
+            <a:r>
+              <a:rPr lang="fr-FR" dirty="0" smtClean="0"/>
+              <a:t>input [</a:t>
+            </a:r>
+            <a:r>
+              <a:rPr lang="fr-FR" dirty="0" err="1"/>
+              <a:t>ngModel</a:t>
+            </a:r>
+            <a:r>
+              <a:rPr lang="fr-FR" dirty="0"/>
+              <a:t>]="currentHero.name</a:t>
+            </a:r>
+            <a:r>
+              <a:rPr lang="fr-FR" dirty="0" smtClean="0"/>
+              <a:t>"   </a:t>
+            </a:r>
+            <a:r>
+              <a:rPr lang="fr-FR" dirty="0"/>
+              <a:t>(</a:t>
+            </a:r>
+            <a:r>
+              <a:rPr lang="fr-FR" dirty="0" err="1"/>
+              <a:t>ngModelChange</a:t>
+            </a:r>
+            <a:r>
+              <a:rPr lang="fr-FR" dirty="0"/>
+              <a:t>)="</a:t>
+            </a:r>
+            <a:r>
+              <a:rPr lang="fr-FR" dirty="0" err="1"/>
+              <a:t>setUppercaseName</a:t>
+            </a:r>
+            <a:r>
+              <a:rPr lang="fr-FR" dirty="0"/>
+              <a:t>($</a:t>
+            </a:r>
+            <a:r>
+              <a:rPr lang="fr-FR" dirty="0" err="1"/>
+              <a:t>event</a:t>
+            </a:r>
+            <a:r>
+              <a:rPr lang="fr-FR" dirty="0" smtClean="0"/>
+              <a:t>)"&gt;</a:t>
+            </a:r>
+          </a:p>
+          <a:p>
+            <a:pPr lvl="1"/>
+            <a:r>
+              <a:rPr lang="fr-FR" dirty="0" smtClean="0"/>
+              <a:t>Cliquer sur </a:t>
+            </a:r>
+            <a:r>
+              <a:rPr lang="fr-FR" dirty="0" smtClean="0">
+                <a:hlinkClick r:id="rId2"/>
+              </a:rPr>
+              <a:t>https</a:t>
+            </a:r>
+            <a:r>
+              <a:rPr lang="fr-FR" dirty="0">
+                <a:hlinkClick r:id="rId2"/>
+              </a:rPr>
+              <a:t>://</a:t>
+            </a:r>
+            <a:r>
+              <a:rPr lang="fr-FR" dirty="0" smtClean="0">
+                <a:hlinkClick r:id="rId2"/>
+              </a:rPr>
+              <a:t>angular.io/generated/images/guide/template-syntax/ng-model-anim.gif</a:t>
+            </a:r>
+            <a:endParaRPr lang="fr-FR" dirty="0" smtClean="0"/>
+          </a:p>
+          <a:p>
+            <a:pPr lvl="1"/>
+            <a:endParaRPr lang="fr-FR" dirty="0" smtClean="0"/>
+          </a:p>
+          <a:p>
+            <a:pPr lvl="1"/>
+            <a:endParaRPr lang="fr-FR" dirty="0"/>
+          </a:p>
+        </p:txBody>
+      </p:sp>
+      <p:pic>
+        <p:nvPicPr>
+          <p:cNvPr id="1026" name="Picture 2" descr="NgModel variations"/>
+          <p:cNvPicPr>
+            <a:picLocks noChangeAspect="1" noChangeArrowheads="1" noCrop="1"/>
+          </p:cNvPicPr>
+          <p:nvPr/>
+        </p:nvPicPr>
+        <p:blipFill>
+          <a:blip r:embed="rId3">
+            <a:extLst>
+              <a:ext uri="{28A0092B-C50C-407E-A947-70E740481C1C}">
+                <a14:useLocalDpi xmlns:a14="http://schemas.microsoft.com/office/drawing/2010/main" val="0"/>
+              </a:ext>
+            </a:extLst>
+          </a:blip>
+          <a:srcRect/>
+          <a:stretch>
+            <a:fillRect/>
+          </a:stretch>
+        </p:blipFill>
+        <p:spPr bwMode="auto">
+          <a:xfrm>
+            <a:off x="899592" y="3933056"/>
+            <a:ext cx="6984776" cy="2651157"/>
+          </a:xfrm>
+          <a:prstGeom prst="rect">
+            <a:avLst/>
+          </a:prstGeom>
+          <a:noFill/>
+          <a:extLst>
+            <a:ext uri="{909E8E84-426E-40DD-AFC4-6F175D3DCCD1}">
+              <a14:hiddenFill xmlns:a14="http://schemas.microsoft.com/office/drawing/2010/main">
+                <a:solidFill>
+                  <a:srgbClr val="FFFFFF"/>
+                </a:solidFill>
+              </a14:hiddenFill>
+            </a:ext>
+          </a:extLst>
+        </p:spPr>
+      </p:pic>
+    </p:spTree>
+    <p:extLst>
+      <p:ext uri="{BB962C8B-B14F-4D97-AF65-F5344CB8AC3E}">
+        <p14:creationId xmlns:p14="http://schemas.microsoft.com/office/powerpoint/2010/main" val="1903321813"/>
+      </p:ext>
+    </p:extLst>
+  </p:cSld>
+  <p:clrMapOvr>
+    <a:masterClrMapping/>
+  </p:clrMapOvr>
+</p:sld>
+</file>
+
+<file path=ppt/slides/slide12.xml><?xml version="1.0" encoding="utf-8"?>
+<p:sld xmlns:a="http://schemas.openxmlformats.org/drawingml/2006/main" xmlns:r="http://schemas.openxmlformats.org/officeDocument/2006/relationships" xmlns:p="http://schemas.openxmlformats.org/presentationml/2006/main">
+  <p:cSld>
+    <p:spTree>
+      <p:nvGrpSpPr>
+        <p:cNvPr id="1" name=""/>
+        <p:cNvGrpSpPr/>
+        <p:nvPr/>
+      </p:nvGrpSpPr>
+      <p:grpSpPr>
+        <a:xfrm>
+          <a:off x="0" y="0"/>
+          <a:ext cx="0" cy="0"/>
+          <a:chOff x="0" y="0"/>
+          <a:chExt cx="0" cy="0"/>
+        </a:xfrm>
+      </p:grpSpPr>
+      <p:sp>
+        <p:nvSpPr>
+          <p:cNvPr id="2" name="Titre 1"/>
+          <p:cNvSpPr>
+            <a:spLocks noGrp="1"/>
+          </p:cNvSpPr>
+          <p:nvPr>
+            <p:ph type="title"/>
+          </p:nvPr>
+        </p:nvSpPr>
+        <p:spPr/>
+        <p:txBody>
+          <a:bodyPr/>
+          <a:lstStyle/>
+          <a:p>
+            <a:r>
+              <a:rPr lang="fr-FR" dirty="0" smtClean="0"/>
+              <a:t>Validation</a:t>
+            </a:r>
+            <a:endParaRPr lang="fr-FR" dirty="0"/>
+          </a:p>
+        </p:txBody>
+      </p:sp>
+      <p:sp>
+        <p:nvSpPr>
+          <p:cNvPr id="3" name="Espace réservé du contenu 2"/>
+          <p:cNvSpPr>
+            <a:spLocks noGrp="1"/>
+          </p:cNvSpPr>
+          <p:nvPr>
+            <p:ph idx="1"/>
+          </p:nvPr>
+        </p:nvSpPr>
+        <p:spPr>
+          <a:xfrm>
+            <a:off x="179513" y="1412776"/>
+            <a:ext cx="4680520" cy="5040560"/>
+          </a:xfrm>
+        </p:spPr>
+        <p:txBody>
+          <a:bodyPr/>
+          <a:lstStyle/>
+          <a:p>
+            <a:r>
+              <a:rPr lang="fr-FR" dirty="0" err="1" smtClean="0"/>
+              <a:t>Angular</a:t>
+            </a:r>
+            <a:r>
+              <a:rPr lang="fr-FR" dirty="0" smtClean="0"/>
+              <a:t> est compatible avec les validations de formulaire HTML 5</a:t>
+            </a:r>
+          </a:p>
+          <a:p>
+            <a:pPr lvl="1"/>
+            <a:r>
+              <a:rPr lang="fr-FR" dirty="0" smtClean="0"/>
+              <a:t>Le formulaire doit être nommé</a:t>
+            </a:r>
+          </a:p>
+          <a:p>
+            <a:r>
+              <a:rPr lang="fr-FR" dirty="0" smtClean="0"/>
+              <a:t>Nouvelles propriétés</a:t>
+            </a:r>
+          </a:p>
+          <a:p>
+            <a:pPr lvl="1"/>
+            <a:r>
+              <a:rPr lang="fr-FR" dirty="0" err="1" smtClean="0"/>
+              <a:t>invalid</a:t>
+            </a:r>
+            <a:r>
+              <a:rPr lang="fr-FR" dirty="0" smtClean="0"/>
+              <a:t>, </a:t>
+            </a:r>
+            <a:r>
+              <a:rPr lang="fr-FR" dirty="0" err="1" smtClean="0"/>
+              <a:t>touch</a:t>
+            </a:r>
+            <a:r>
+              <a:rPr lang="fr-FR" dirty="0" smtClean="0"/>
+              <a:t>, </a:t>
+            </a:r>
+            <a:r>
+              <a:rPr lang="fr-FR" dirty="0" err="1" smtClean="0"/>
+              <a:t>dirty</a:t>
+            </a:r>
+            <a:endParaRPr lang="fr-FR" dirty="0" smtClean="0"/>
+          </a:p>
+          <a:p>
+            <a:pPr lvl="1"/>
+            <a:endParaRPr lang="fr-FR" dirty="0"/>
+          </a:p>
+        </p:txBody>
+      </p:sp>
+      <p:pic>
+        <p:nvPicPr>
+          <p:cNvPr id="4" name="Image 3"/>
+          <p:cNvPicPr>
+            <a:picLocks noChangeAspect="1"/>
+          </p:cNvPicPr>
+          <p:nvPr/>
+        </p:nvPicPr>
+        <p:blipFill>
+          <a:blip r:embed="rId2"/>
+          <a:stretch>
+            <a:fillRect/>
+          </a:stretch>
+        </p:blipFill>
+        <p:spPr>
+          <a:xfrm>
+            <a:off x="4860032" y="1437892"/>
+            <a:ext cx="4562475" cy="4695825"/>
+          </a:xfrm>
+          <a:prstGeom prst="rect">
+            <a:avLst/>
+          </a:prstGeom>
+        </p:spPr>
+      </p:pic>
+    </p:spTree>
+    <p:extLst>
+      <p:ext uri="{BB962C8B-B14F-4D97-AF65-F5344CB8AC3E}">
+        <p14:creationId xmlns:p14="http://schemas.microsoft.com/office/powerpoint/2010/main" val="3059542152"/>
+      </p:ext>
+    </p:extLst>
+  </p:cSld>
+  <p:clrMapOvr>
+    <a:masterClrMapping/>
+  </p:clrMapOvr>
+</p:sld>
+</file>
+
+<file path=ppt/slides/slide13.xml><?xml version="1.0" encoding="utf-8"?>
+<p:sld xmlns:a="http://schemas.openxmlformats.org/drawingml/2006/main" xmlns:r="http://schemas.openxmlformats.org/officeDocument/2006/relationships" xmlns:p="http://schemas.openxmlformats.org/presentationml/2006/main">
+  <p:cSld>
+    <p:spTree>
+      <p:nvGrpSpPr>
+        <p:cNvPr id="1" name=""/>
+        <p:cNvGrpSpPr/>
+        <p:nvPr/>
+      </p:nvGrpSpPr>
+      <p:grpSpPr>
+        <a:xfrm>
+          <a:off x="0" y="0"/>
+          <a:ext cx="0" cy="0"/>
+          <a:chOff x="0" y="0"/>
+          <a:chExt cx="0" cy="0"/>
+        </a:xfrm>
+      </p:grpSpPr>
+      <p:sp>
+        <p:nvSpPr>
+          <p:cNvPr id="2" name="Titre 1"/>
+          <p:cNvSpPr>
+            <a:spLocks noGrp="1"/>
+          </p:cNvSpPr>
+          <p:nvPr>
+            <p:ph type="title"/>
+          </p:nvPr>
+        </p:nvSpPr>
+        <p:spPr/>
+        <p:txBody>
+          <a:bodyPr/>
+          <a:lstStyle/>
+          <a:p>
+            <a:r>
+              <a:rPr lang="fr-FR" dirty="0" smtClean="0"/>
+              <a:t>Validation dans le composant</a:t>
+            </a:r>
+            <a:endParaRPr lang="fr-FR" dirty="0"/>
+          </a:p>
+        </p:txBody>
+      </p:sp>
+      <p:sp>
+        <p:nvSpPr>
+          <p:cNvPr id="3" name="Espace réservé du contenu 2"/>
+          <p:cNvSpPr>
+            <a:spLocks noGrp="1"/>
+          </p:cNvSpPr>
+          <p:nvPr>
+            <p:ph idx="1"/>
+          </p:nvPr>
+        </p:nvSpPr>
+        <p:spPr/>
+        <p:txBody>
+          <a:bodyPr/>
+          <a:lstStyle/>
+          <a:p>
+            <a:r>
+              <a:rPr lang="fr-FR" dirty="0" smtClean="0"/>
+              <a:t>Il est possible de surcharger la validation HTML 5 directement dans la classe du composant</a:t>
+            </a:r>
+          </a:p>
+          <a:p>
+            <a:pPr lvl="1"/>
+            <a:r>
+              <a:rPr lang="fr-FR" dirty="0" smtClean="0"/>
+              <a:t>Il est alors possible de créer son propre validateur</a:t>
+            </a:r>
+            <a:endParaRPr lang="fr-FR" dirty="0"/>
+          </a:p>
+        </p:txBody>
+      </p:sp>
+      <p:pic>
+        <p:nvPicPr>
+          <p:cNvPr id="4" name="Image 3"/>
+          <p:cNvPicPr>
+            <a:picLocks noChangeAspect="1"/>
+          </p:cNvPicPr>
+          <p:nvPr/>
+        </p:nvPicPr>
+        <p:blipFill>
+          <a:blip r:embed="rId2"/>
+          <a:stretch>
+            <a:fillRect/>
+          </a:stretch>
+        </p:blipFill>
+        <p:spPr>
+          <a:xfrm>
+            <a:off x="755576" y="2852936"/>
+            <a:ext cx="7722680" cy="3456384"/>
+          </a:xfrm>
+          <a:prstGeom prst="rect">
+            <a:avLst/>
+          </a:prstGeom>
+        </p:spPr>
+      </p:pic>
+    </p:spTree>
+    <p:extLst>
+      <p:ext uri="{BB962C8B-B14F-4D97-AF65-F5344CB8AC3E}">
+        <p14:creationId xmlns:p14="http://schemas.microsoft.com/office/powerpoint/2010/main" val="3939227487"/>
+      </p:ext>
+    </p:extLst>
+  </p:cSld>
+  <p:clrMapOvr>
+    <a:masterClrMapping/>
+  </p:clrMapOvr>
+</p:sld>
+</file>
+
+<file path=ppt/slides/slide14.xml><?xml version="1.0" encoding="utf-8"?>
+<p:sld xmlns:a="http://schemas.openxmlformats.org/drawingml/2006/main" xmlns:r="http://schemas.openxmlformats.org/officeDocument/2006/relationships" xmlns:p="http://schemas.openxmlformats.org/presentationml/2006/main">
+  <p:cSld>
+    <p:spTree>
+      <p:nvGrpSpPr>
+        <p:cNvPr id="1" name=""/>
+        <p:cNvGrpSpPr/>
+        <p:nvPr/>
+      </p:nvGrpSpPr>
+      <p:grpSpPr>
+        <a:xfrm>
+          <a:off x="0" y="0"/>
+          <a:ext cx="0" cy="0"/>
+          <a:chOff x="0" y="0"/>
+          <a:chExt cx="0" cy="0"/>
+        </a:xfrm>
+      </p:grpSpPr>
+      <p:sp>
+        <p:nvSpPr>
+          <p:cNvPr id="2" name="Titre 1"/>
+          <p:cNvSpPr>
+            <a:spLocks noGrp="1"/>
+          </p:cNvSpPr>
+          <p:nvPr>
+            <p:ph type="title"/>
+          </p:nvPr>
+        </p:nvSpPr>
+        <p:spPr/>
+        <p:txBody>
+          <a:bodyPr/>
+          <a:lstStyle/>
+          <a:p>
+            <a:r>
+              <a:rPr lang="fr-FR" dirty="0" smtClean="0"/>
+              <a:t>Custom </a:t>
+            </a:r>
+            <a:r>
+              <a:rPr lang="fr-FR" dirty="0" err="1" smtClean="0"/>
+              <a:t>Validator</a:t>
+            </a:r>
+            <a:endParaRPr lang="fr-FR" dirty="0"/>
+          </a:p>
+        </p:txBody>
+      </p:sp>
+      <p:sp>
+        <p:nvSpPr>
+          <p:cNvPr id="3" name="Espace réservé du contenu 2"/>
+          <p:cNvSpPr>
+            <a:spLocks noGrp="1"/>
+          </p:cNvSpPr>
+          <p:nvPr>
+            <p:ph idx="1"/>
+          </p:nvPr>
+        </p:nvSpPr>
+        <p:spPr/>
+        <p:txBody>
+          <a:bodyPr/>
+          <a:lstStyle/>
+          <a:p>
+            <a:r>
+              <a:rPr lang="fr-FR" dirty="0" smtClean="0"/>
+              <a:t>Notez le répertoire </a:t>
+            </a:r>
+            <a:r>
+              <a:rPr lang="fr-FR" dirty="0" err="1" smtClean="0"/>
+              <a:t>shared</a:t>
+            </a:r>
+            <a:endParaRPr lang="fr-FR" dirty="0" smtClean="0"/>
+          </a:p>
+          <a:p>
+            <a:endParaRPr lang="fr-FR" dirty="0"/>
+          </a:p>
+        </p:txBody>
+      </p:sp>
+      <p:pic>
+        <p:nvPicPr>
+          <p:cNvPr id="4" name="Image 3"/>
+          <p:cNvPicPr>
+            <a:picLocks noChangeAspect="1"/>
+          </p:cNvPicPr>
+          <p:nvPr/>
+        </p:nvPicPr>
+        <p:blipFill>
+          <a:blip r:embed="rId2"/>
+          <a:stretch>
+            <a:fillRect/>
+          </a:stretch>
+        </p:blipFill>
+        <p:spPr>
+          <a:xfrm>
+            <a:off x="539552" y="2780928"/>
+            <a:ext cx="7598310" cy="2880320"/>
+          </a:xfrm>
+          <a:prstGeom prst="rect">
+            <a:avLst/>
+          </a:prstGeom>
+        </p:spPr>
+      </p:pic>
+    </p:spTree>
+    <p:extLst>
+      <p:ext uri="{BB962C8B-B14F-4D97-AF65-F5344CB8AC3E}">
+        <p14:creationId xmlns:p14="http://schemas.microsoft.com/office/powerpoint/2010/main" val="469909623"/>
+      </p:ext>
+    </p:extLst>
+  </p:cSld>
+  <p:clrMapOvr>
+    <a:masterClrMapping/>
+  </p:clrMapOvr>
+</p:sld>
+</file>
+
+<file path=ppt/slides/slide15.xml><?xml version="1.0" encoding="utf-8"?>
+<p:sld xmlns:a="http://schemas.openxmlformats.org/drawingml/2006/main" xmlns:r="http://schemas.openxmlformats.org/officeDocument/2006/relationships" xmlns:p="http://schemas.openxmlformats.org/presentationml/2006/main">
+  <p:cSld>
+    <p:spTree>
+      <p:nvGrpSpPr>
+        <p:cNvPr id="1" name=""/>
+        <p:cNvGrpSpPr/>
+        <p:nvPr/>
+      </p:nvGrpSpPr>
+      <p:grpSpPr>
+        <a:xfrm>
+          <a:off x="0" y="0"/>
+          <a:ext cx="0" cy="0"/>
+          <a:chOff x="0" y="0"/>
+          <a:chExt cx="0" cy="0"/>
+        </a:xfrm>
+      </p:grpSpPr>
+      <p:sp>
+        <p:nvSpPr>
+          <p:cNvPr id="2" name="Titre 1"/>
+          <p:cNvSpPr>
+            <a:spLocks noGrp="1"/>
+          </p:cNvSpPr>
+          <p:nvPr>
+            <p:ph type="title"/>
+          </p:nvPr>
+        </p:nvSpPr>
+        <p:spPr/>
+        <p:txBody>
+          <a:bodyPr/>
+          <a:lstStyle/>
+          <a:p>
+            <a:r>
+              <a:rPr lang="fr-FR" dirty="0" smtClean="0"/>
+              <a:t>Classes CSS de validation</a:t>
+            </a:r>
+            <a:endParaRPr lang="fr-FR" dirty="0"/>
+          </a:p>
+        </p:txBody>
+      </p:sp>
+      <p:sp>
+        <p:nvSpPr>
+          <p:cNvPr id="3" name="Espace réservé du contenu 2"/>
+          <p:cNvSpPr>
+            <a:spLocks noGrp="1"/>
+          </p:cNvSpPr>
+          <p:nvPr>
+            <p:ph idx="1"/>
+          </p:nvPr>
+        </p:nvSpPr>
+        <p:spPr/>
+        <p:txBody>
+          <a:bodyPr/>
+          <a:lstStyle/>
+          <a:p>
+            <a:r>
+              <a:rPr lang="fr-FR" dirty="0" smtClean="0"/>
+              <a:t>De nombreuses classes de validation doivent être implémentées</a:t>
+            </a:r>
+          </a:p>
+          <a:p>
+            <a:pPr lvl="1"/>
+            <a:r>
+              <a:rPr lang="fr-FR" dirty="0"/>
+              <a:t>.</a:t>
+            </a:r>
+            <a:r>
+              <a:rPr lang="fr-FR" dirty="0" err="1"/>
+              <a:t>ng-valid</a:t>
+            </a:r>
+            <a:endParaRPr lang="fr-FR" dirty="0"/>
+          </a:p>
+          <a:p>
+            <a:pPr lvl="1"/>
+            <a:r>
+              <a:rPr lang="fr-FR" dirty="0"/>
+              <a:t>.</a:t>
+            </a:r>
+            <a:r>
+              <a:rPr lang="fr-FR" dirty="0" err="1"/>
+              <a:t>ng-invalid</a:t>
+            </a:r>
+            <a:endParaRPr lang="fr-FR" dirty="0"/>
+          </a:p>
+          <a:p>
+            <a:pPr lvl="1"/>
+            <a:r>
+              <a:rPr lang="fr-FR" dirty="0"/>
+              <a:t>.</a:t>
+            </a:r>
+            <a:r>
+              <a:rPr lang="fr-FR" dirty="0" err="1"/>
+              <a:t>ng-pending</a:t>
+            </a:r>
+            <a:endParaRPr lang="fr-FR" dirty="0"/>
+          </a:p>
+          <a:p>
+            <a:pPr lvl="1"/>
+            <a:r>
+              <a:rPr lang="fr-FR" dirty="0"/>
+              <a:t>.</a:t>
+            </a:r>
+            <a:r>
+              <a:rPr lang="fr-FR" dirty="0" err="1"/>
+              <a:t>ng-pristine</a:t>
+            </a:r>
+            <a:endParaRPr lang="fr-FR" dirty="0"/>
+          </a:p>
+          <a:p>
+            <a:pPr lvl="1"/>
+            <a:r>
+              <a:rPr lang="fr-FR" dirty="0"/>
+              <a:t>.</a:t>
+            </a:r>
+            <a:r>
+              <a:rPr lang="fr-FR" dirty="0" err="1"/>
+              <a:t>ng-dirty</a:t>
+            </a:r>
+            <a:endParaRPr lang="fr-FR" dirty="0"/>
+          </a:p>
+          <a:p>
+            <a:pPr lvl="1"/>
+            <a:r>
+              <a:rPr lang="fr-FR" dirty="0"/>
+              <a:t>.</a:t>
+            </a:r>
+            <a:r>
+              <a:rPr lang="fr-FR" dirty="0" err="1"/>
+              <a:t>ng-untouched</a:t>
+            </a:r>
+            <a:endParaRPr lang="fr-FR" dirty="0"/>
+          </a:p>
+          <a:p>
+            <a:pPr lvl="1"/>
+            <a:r>
+              <a:rPr lang="fr-FR" dirty="0"/>
+              <a:t>.</a:t>
+            </a:r>
+            <a:r>
+              <a:rPr lang="fr-FR" dirty="0" err="1"/>
+              <a:t>ng-touched</a:t>
+            </a:r>
+            <a:endParaRPr lang="fr-FR" dirty="0"/>
+          </a:p>
+        </p:txBody>
+      </p:sp>
+    </p:spTree>
+    <p:extLst>
+      <p:ext uri="{BB962C8B-B14F-4D97-AF65-F5344CB8AC3E}">
+        <p14:creationId xmlns:p14="http://schemas.microsoft.com/office/powerpoint/2010/main" val="3186534721"/>
+      </p:ext>
+    </p:extLst>
+  </p:cSld>
+  <p:clrMapOvr>
+    <a:masterClrMapping/>
+  </p:clrMapOvr>
+</p:sld>
+</file>
+
+<file path=ppt/slides/slide16.xml><?xml version="1.0" encoding="utf-8"?>
+<p:sld xmlns:a="http://schemas.openxmlformats.org/drawingml/2006/main" xmlns:r="http://schemas.openxmlformats.org/officeDocument/2006/relationships" xmlns:p="http://schemas.openxmlformats.org/presentationml/2006/main">
+  <p:cSld>
+    <p:spTree>
+      <p:nvGrpSpPr>
+        <p:cNvPr id="1" name=""/>
+        <p:cNvGrpSpPr/>
+        <p:nvPr/>
+      </p:nvGrpSpPr>
+      <p:grpSpPr>
+        <a:xfrm>
+          <a:off x="0" y="0"/>
+          <a:ext cx="0" cy="0"/>
+          <a:chOff x="0" y="0"/>
+          <a:chExt cx="0" cy="0"/>
+        </a:xfrm>
+      </p:grpSpPr>
+      <p:sp>
+        <p:nvSpPr>
+          <p:cNvPr id="2" name="Titre 1"/>
+          <p:cNvSpPr>
+            <a:spLocks noGrp="1"/>
+          </p:cNvSpPr>
+          <p:nvPr>
+            <p:ph type="title"/>
+          </p:nvPr>
+        </p:nvSpPr>
+        <p:spPr/>
+        <p:txBody>
+          <a:bodyPr/>
+          <a:lstStyle/>
+          <a:p>
+            <a:r>
+              <a:rPr lang="fr-FR" dirty="0" smtClean="0"/>
+              <a:t>Les CSS de validation</a:t>
+            </a:r>
+            <a:endParaRPr lang="fr-FR" dirty="0"/>
+          </a:p>
+        </p:txBody>
+      </p:sp>
+      <p:sp>
+        <p:nvSpPr>
+          <p:cNvPr id="3" name="Espace réservé du contenu 2"/>
+          <p:cNvSpPr>
+            <a:spLocks noGrp="1"/>
+          </p:cNvSpPr>
+          <p:nvPr>
+            <p:ph idx="1"/>
+          </p:nvPr>
+        </p:nvSpPr>
+        <p:spPr/>
+        <p:txBody>
+          <a:bodyPr/>
+          <a:lstStyle/>
+          <a:p>
+            <a:r>
+              <a:rPr lang="fr-FR" dirty="0" smtClean="0"/>
+              <a:t>Le champ suivant possède plusieurs classes CSS en fonction de l'état de validation</a:t>
+            </a:r>
+          </a:p>
+          <a:p>
+            <a:endParaRPr lang="fr-FR" dirty="0"/>
+          </a:p>
+          <a:p>
+            <a:r>
+              <a:rPr lang="fr-FR" dirty="0" smtClean="0"/>
+              <a:t>Avant de taper le mail</a:t>
+            </a:r>
+          </a:p>
+          <a:p>
+            <a:endParaRPr lang="fr-FR" dirty="0" smtClean="0"/>
+          </a:p>
+          <a:p>
+            <a:r>
+              <a:rPr lang="fr-FR" dirty="0" smtClean="0"/>
+              <a:t>Mail invalide</a:t>
+            </a:r>
+          </a:p>
+          <a:p>
+            <a:r>
+              <a:rPr lang="fr-FR" dirty="0" smtClean="0"/>
+              <a:t>Mail valide</a:t>
+            </a:r>
+          </a:p>
+          <a:p>
+            <a:r>
+              <a:rPr lang="fr-FR" dirty="0" smtClean="0"/>
+              <a:t>CSS </a:t>
+            </a:r>
+            <a:endParaRPr lang="fr-FR" dirty="0"/>
+          </a:p>
+          <a:p>
+            <a:endParaRPr lang="fr-FR" dirty="0" smtClean="0"/>
+          </a:p>
+          <a:p>
+            <a:endParaRPr lang="fr-FR" dirty="0"/>
+          </a:p>
+        </p:txBody>
+      </p:sp>
+      <p:pic>
+        <p:nvPicPr>
+          <p:cNvPr id="4098" name="Picture 2"/>
+          <p:cNvPicPr>
+            <a:picLocks noChangeAspect="1" noChangeArrowheads="1"/>
+          </p:cNvPicPr>
+          <p:nvPr/>
+        </p:nvPicPr>
+        <p:blipFill>
+          <a:blip r:embed="rId2">
+            <a:extLst>
+              <a:ext uri="{28A0092B-C50C-407E-A947-70E740481C1C}">
+                <a14:useLocalDpi xmlns:a14="http://schemas.microsoft.com/office/drawing/2010/main" val="0"/>
+              </a:ext>
+            </a:extLst>
+          </a:blip>
+          <a:srcRect/>
+          <a:stretch>
+            <a:fillRect/>
+          </a:stretch>
+        </p:blipFill>
+        <p:spPr bwMode="auto">
+          <a:xfrm>
+            <a:off x="216426" y="2426791"/>
+            <a:ext cx="8705850" cy="276225"/>
+          </a:xfrm>
+          <a:prstGeom prst="rect">
+            <a:avLst/>
+          </a:prstGeom>
+          <a:noFill/>
+          <a:ln>
+            <a:noFill/>
+          </a:ln>
+          <a:extLst>
+            <a:ext uri="{909E8E84-426E-40DD-AFC4-6F175D3DCCD1}">
+              <a14:hiddenFill xmlns:a14="http://schemas.microsoft.com/office/drawing/2010/main">
+                <a:solidFill>
+                  <a:schemeClr val="accent1"/>
+                </a:solidFill>
+              </a14:hiddenFill>
+            </a:ext>
+            <a:ext uri="{91240B29-F687-4F45-9708-019B960494DF}">
+              <a14:hiddenLine xmlns:a14="http://schemas.microsoft.com/office/drawing/2010/main" w="9525">
+                <a:solidFill>
+                  <a:schemeClr val="tx1"/>
+                </a:solidFill>
+                <a:miter lim="800000"/>
+                <a:headEnd/>
+                <a:tailEnd/>
+              </a14:hiddenLine>
+            </a:ext>
+          </a:extLst>
+        </p:spPr>
+      </p:pic>
+      <p:pic>
+        <p:nvPicPr>
+          <p:cNvPr id="4099" name="Picture 3"/>
+          <p:cNvPicPr>
+            <a:picLocks noChangeAspect="1" noChangeArrowheads="1"/>
+          </p:cNvPicPr>
+          <p:nvPr/>
+        </p:nvPicPr>
+        <p:blipFill>
+          <a:blip r:embed="rId3">
+            <a:extLst>
+              <a:ext uri="{28A0092B-C50C-407E-A947-70E740481C1C}">
+                <a14:useLocalDpi xmlns:a14="http://schemas.microsoft.com/office/drawing/2010/main" val="0"/>
+              </a:ext>
+            </a:extLst>
+          </a:blip>
+          <a:srcRect/>
+          <a:stretch>
+            <a:fillRect/>
+          </a:stretch>
+        </p:blipFill>
+        <p:spPr bwMode="auto">
+          <a:xfrm>
+            <a:off x="1467282" y="3464299"/>
+            <a:ext cx="6257925" cy="285750"/>
+          </a:xfrm>
+          <a:prstGeom prst="rect">
+            <a:avLst/>
+          </a:prstGeom>
+          <a:noFill/>
+          <a:ln>
+            <a:noFill/>
+          </a:ln>
+          <a:extLst>
+            <a:ext uri="{909E8E84-426E-40DD-AFC4-6F175D3DCCD1}">
+              <a14:hiddenFill xmlns:a14="http://schemas.microsoft.com/office/drawing/2010/main">
+                <a:solidFill>
+                  <a:schemeClr val="accent1"/>
+                </a:solidFill>
+              </a14:hiddenFill>
+            </a:ext>
+            <a:ext uri="{91240B29-F687-4F45-9708-019B960494DF}">
+              <a14:hiddenLine xmlns:a14="http://schemas.microsoft.com/office/drawing/2010/main" w="9525">
+                <a:solidFill>
+                  <a:schemeClr val="tx1"/>
+                </a:solidFill>
+                <a:miter lim="800000"/>
+                <a:headEnd/>
+                <a:tailEnd/>
+              </a14:hiddenLine>
+            </a:ext>
+          </a:extLst>
+        </p:spPr>
+      </p:pic>
+      <p:pic>
+        <p:nvPicPr>
+          <p:cNvPr id="4100" name="Picture 4"/>
+          <p:cNvPicPr>
+            <a:picLocks noChangeAspect="1" noChangeArrowheads="1"/>
+          </p:cNvPicPr>
+          <p:nvPr/>
+        </p:nvPicPr>
+        <p:blipFill>
+          <a:blip r:embed="rId4">
+            <a:extLst>
+              <a:ext uri="{28A0092B-C50C-407E-A947-70E740481C1C}">
+                <a14:useLocalDpi xmlns:a14="http://schemas.microsoft.com/office/drawing/2010/main" val="0"/>
+              </a:ext>
+            </a:extLst>
+          </a:blip>
+          <a:srcRect/>
+          <a:stretch>
+            <a:fillRect/>
+          </a:stretch>
+        </p:blipFill>
+        <p:spPr bwMode="auto">
+          <a:xfrm>
+            <a:off x="3031868" y="4005064"/>
+            <a:ext cx="5876925" cy="314325"/>
+          </a:xfrm>
+          <a:prstGeom prst="rect">
+            <a:avLst/>
+          </a:prstGeom>
+          <a:noFill/>
+          <a:ln>
+            <a:noFill/>
+          </a:ln>
+          <a:extLst>
+            <a:ext uri="{909E8E84-426E-40DD-AFC4-6F175D3DCCD1}">
+              <a14:hiddenFill xmlns:a14="http://schemas.microsoft.com/office/drawing/2010/main">
+                <a:solidFill>
+                  <a:schemeClr val="accent1"/>
+                </a:solidFill>
+              </a14:hiddenFill>
+            </a:ext>
+            <a:ext uri="{91240B29-F687-4F45-9708-019B960494DF}">
+              <a14:hiddenLine xmlns:a14="http://schemas.microsoft.com/office/drawing/2010/main" w="9525">
+                <a:solidFill>
+                  <a:schemeClr val="tx1"/>
+                </a:solidFill>
+                <a:miter lim="800000"/>
+                <a:headEnd/>
+                <a:tailEnd/>
+              </a14:hiddenLine>
+            </a:ext>
+          </a:extLst>
+        </p:spPr>
+      </p:pic>
+      <p:pic>
+        <p:nvPicPr>
+          <p:cNvPr id="4101" name="Picture 5"/>
+          <p:cNvPicPr>
+            <a:picLocks noChangeAspect="1" noChangeArrowheads="1"/>
+          </p:cNvPicPr>
+          <p:nvPr/>
+        </p:nvPicPr>
+        <p:blipFill>
+          <a:blip r:embed="rId5">
+            <a:extLst>
+              <a:ext uri="{28A0092B-C50C-407E-A947-70E740481C1C}">
+                <a14:useLocalDpi xmlns:a14="http://schemas.microsoft.com/office/drawing/2010/main" val="0"/>
+              </a:ext>
+            </a:extLst>
+          </a:blip>
+          <a:srcRect/>
+          <a:stretch>
+            <a:fillRect/>
+          </a:stretch>
+        </p:blipFill>
+        <p:spPr bwMode="auto">
+          <a:xfrm>
+            <a:off x="2555776" y="4509120"/>
+            <a:ext cx="5924550" cy="323850"/>
+          </a:xfrm>
+          <a:prstGeom prst="rect">
+            <a:avLst/>
+          </a:prstGeom>
+          <a:noFill/>
+          <a:ln>
+            <a:noFill/>
+          </a:ln>
+          <a:extLst>
+            <a:ext uri="{909E8E84-426E-40DD-AFC4-6F175D3DCCD1}">
+              <a14:hiddenFill xmlns:a14="http://schemas.microsoft.com/office/drawing/2010/main">
+                <a:solidFill>
+                  <a:schemeClr val="accent1"/>
+                </a:solidFill>
+              </a14:hiddenFill>
+            </a:ext>
+            <a:ext uri="{91240B29-F687-4F45-9708-019B960494DF}">
+              <a14:hiddenLine xmlns:a14="http://schemas.microsoft.com/office/drawing/2010/main" w="9525">
+                <a:solidFill>
+                  <a:schemeClr val="tx1"/>
+                </a:solidFill>
+                <a:miter lim="800000"/>
+                <a:headEnd/>
+                <a:tailEnd/>
+              </a14:hiddenLine>
+            </a:ext>
+          </a:extLst>
+        </p:spPr>
+      </p:pic>
+      <p:pic>
+        <p:nvPicPr>
+          <p:cNvPr id="4102" name="Picture 6"/>
+          <p:cNvPicPr>
+            <a:picLocks noChangeAspect="1" noChangeArrowheads="1"/>
+          </p:cNvPicPr>
+          <p:nvPr/>
+        </p:nvPicPr>
+        <p:blipFill>
+          <a:blip r:embed="rId6">
+            <a:extLst>
+              <a:ext uri="{28A0092B-C50C-407E-A947-70E740481C1C}">
+                <a14:useLocalDpi xmlns:a14="http://schemas.microsoft.com/office/drawing/2010/main" val="0"/>
+              </a:ext>
+            </a:extLst>
+          </a:blip>
+          <a:srcRect/>
+          <a:stretch>
+            <a:fillRect/>
+          </a:stretch>
+        </p:blipFill>
+        <p:spPr bwMode="auto">
+          <a:xfrm>
+            <a:off x="2843808" y="4980455"/>
+            <a:ext cx="2828925" cy="1733550"/>
+          </a:xfrm>
+          <a:prstGeom prst="rect">
+            <a:avLst/>
+          </a:prstGeom>
+          <a:noFill/>
+          <a:ln>
+            <a:noFill/>
+          </a:ln>
+          <a:extLst>
+            <a:ext uri="{909E8E84-426E-40DD-AFC4-6F175D3DCCD1}">
+              <a14:hiddenFill xmlns:a14="http://schemas.microsoft.com/office/drawing/2010/main">
+                <a:solidFill>
+                  <a:schemeClr val="accent1"/>
+                </a:solidFill>
+              </a14:hiddenFill>
+            </a:ext>
+            <a:ext uri="{91240B29-F687-4F45-9708-019B960494DF}">
+              <a14:hiddenLine xmlns:a14="http://schemas.microsoft.com/office/drawing/2010/main" w="9525">
+                <a:solidFill>
+                  <a:schemeClr val="tx1"/>
+                </a:solidFill>
+                <a:miter lim="800000"/>
+                <a:headEnd/>
+                <a:tailEnd/>
+              </a14:hiddenLine>
+            </a:ext>
+          </a:extLst>
+        </p:spPr>
+      </p:pic>
+    </p:spTree>
+    <p:extLst>
+      <p:ext uri="{BB962C8B-B14F-4D97-AF65-F5344CB8AC3E}">
+        <p14:creationId xmlns:p14="http://schemas.microsoft.com/office/powerpoint/2010/main" val="2122709470"/>
+      </p:ext>
+    </p:extLst>
+  </p:cSld>
+  <p:clrMapOvr>
+    <a:masterClrMapping/>
+  </p:clrMapOvr>
+  <p:timing>
+    <p:tnLst>
+      <p:par>
+        <p:cTn id="1" dur="indefinite" restart="never" nodeType="tmRoot"/>
+      </p:par>
+    </p:tnLst>
+  </p:timing>
+</p:sld>
+</file>
+
+<file path=ppt/slides/slide17.xml><?xml version="1.0" encoding="utf-8"?>
+<p:sld xmlns:a="http://schemas.openxmlformats.org/drawingml/2006/main" xmlns:r="http://schemas.openxmlformats.org/officeDocument/2006/relationships" xmlns:p="http://schemas.openxmlformats.org/presentationml/2006/main">
+  <p:cSld>
+    <p:spTree>
+      <p:nvGrpSpPr>
+        <p:cNvPr id="1" name=""/>
+        <p:cNvGrpSpPr/>
+        <p:nvPr/>
+      </p:nvGrpSpPr>
+      <p:grpSpPr>
+        <a:xfrm>
+          <a:off x="0" y="0"/>
+          <a:ext cx="0" cy="0"/>
+          <a:chOff x="0" y="0"/>
+          <a:chExt cx="0" cy="0"/>
+        </a:xfrm>
+      </p:grpSpPr>
+      <p:sp>
+        <p:nvSpPr>
+          <p:cNvPr id="2" name="Titre 1"/>
+          <p:cNvSpPr>
+            <a:spLocks noGrp="1"/>
+          </p:cNvSpPr>
+          <p:nvPr>
+            <p:ph type="title"/>
+          </p:nvPr>
+        </p:nvSpPr>
+        <p:spPr/>
+        <p:txBody>
+          <a:bodyPr/>
+          <a:lstStyle/>
+          <a:p>
+            <a:r>
+              <a:rPr lang="fr-FR" dirty="0" smtClean="0"/>
+              <a:t>CSS de validation</a:t>
+            </a:r>
+            <a:endParaRPr lang="fr-FR" dirty="0"/>
+          </a:p>
+        </p:txBody>
+      </p:sp>
+      <p:sp>
+        <p:nvSpPr>
+          <p:cNvPr id="3" name="Espace réservé du contenu 2"/>
+          <p:cNvSpPr>
+            <a:spLocks noGrp="1"/>
+          </p:cNvSpPr>
+          <p:nvPr>
+            <p:ph idx="1"/>
+          </p:nvPr>
+        </p:nvSpPr>
+        <p:spPr/>
+        <p:txBody>
+          <a:bodyPr/>
+          <a:lstStyle/>
+          <a:p>
+            <a:r>
+              <a:rPr lang="fr-FR" dirty="0" smtClean="0"/>
+              <a:t>Le changement de classe CSS est automatique</a:t>
+            </a:r>
+          </a:p>
+          <a:p>
+            <a:r>
+              <a:rPr lang="fr-FR" dirty="0" smtClean="0"/>
+              <a:t>Passage à </a:t>
+            </a:r>
+            <a:r>
+              <a:rPr lang="fr-FR" dirty="0" err="1" smtClean="0"/>
+              <a:t>NgValid</a:t>
+            </a:r>
+            <a:r>
+              <a:rPr lang="fr-FR" dirty="0" smtClean="0"/>
+              <a:t> ou </a:t>
+            </a:r>
+            <a:r>
+              <a:rPr lang="fr-FR" dirty="0" err="1" smtClean="0"/>
+              <a:t>NgInvalid</a:t>
+            </a:r>
+            <a:r>
+              <a:rPr lang="fr-FR" dirty="0" smtClean="0"/>
+              <a:t> automatique en fonction de la saisie</a:t>
+            </a:r>
+          </a:p>
+          <a:p>
+            <a:r>
+              <a:rPr lang="fr-FR" dirty="0" err="1" smtClean="0"/>
+              <a:t>NgDirty</a:t>
+            </a:r>
+            <a:r>
+              <a:rPr lang="fr-FR" dirty="0" smtClean="0"/>
+              <a:t> indique que le champ est en cours de saisie avant l'envoie du formulaire</a:t>
+            </a:r>
+          </a:p>
+          <a:p>
+            <a:r>
+              <a:rPr lang="fr-FR" dirty="0" err="1" smtClean="0"/>
+              <a:t>NgPristine</a:t>
+            </a:r>
+            <a:r>
+              <a:rPr lang="fr-FR" dirty="0" smtClean="0"/>
+              <a:t> indique que le champ n'a pas changé</a:t>
+            </a:r>
+            <a:endParaRPr lang="fr-FR" dirty="0"/>
+          </a:p>
+        </p:txBody>
+      </p:sp>
+    </p:spTree>
+    <p:extLst>
+      <p:ext uri="{BB962C8B-B14F-4D97-AF65-F5344CB8AC3E}">
+        <p14:creationId xmlns:p14="http://schemas.microsoft.com/office/powerpoint/2010/main" val="1735138282"/>
+      </p:ext>
+    </p:extLst>
+  </p:cSld>
+  <p:clrMapOvr>
+    <a:masterClrMapping/>
+  </p:clrMapOvr>
+  <p:timing>
+    <p:tnLst>
+      <p:par>
+        <p:cTn id="1" dur="indefinite" restart="never" nodeType="tmRoot"/>
+      </p:par>
+    </p:tnLst>
+  </p:timing>
+</p:sld>
+</file>
+
+<file path=ppt/slides/slide18.xml><?xml version="1.0" encoding="utf-8"?>
+<p:sld xmlns:a="http://schemas.openxmlformats.org/drawingml/2006/main" xmlns:r="http://schemas.openxmlformats.org/officeDocument/2006/relationships" xmlns:p="http://schemas.openxmlformats.org/presentationml/2006/main">
+  <p:cSld>
+    <p:spTree>
+      <p:nvGrpSpPr>
+        <p:cNvPr id="1" name=""/>
+        <p:cNvGrpSpPr/>
+        <p:nvPr/>
+      </p:nvGrpSpPr>
+      <p:grpSpPr>
+        <a:xfrm>
+          <a:off x="0" y="0"/>
+          <a:ext cx="0" cy="0"/>
+          <a:chOff x="0" y="0"/>
+          <a:chExt cx="0" cy="0"/>
+        </a:xfrm>
+      </p:grpSpPr>
+      <p:sp>
+        <p:nvSpPr>
+          <p:cNvPr id="2" name="Titre 1"/>
+          <p:cNvSpPr>
+            <a:spLocks noGrp="1"/>
+          </p:cNvSpPr>
+          <p:nvPr>
+            <p:ph type="title"/>
+          </p:nvPr>
+        </p:nvSpPr>
+        <p:spPr/>
+        <p:txBody>
+          <a:bodyPr/>
+          <a:lstStyle/>
+          <a:p>
+            <a:r>
+              <a:rPr lang="fr-FR" dirty="0" smtClean="0"/>
+              <a:t>Validation automatique</a:t>
+            </a:r>
+            <a:endParaRPr lang="fr-FR" dirty="0"/>
+          </a:p>
+        </p:txBody>
+      </p:sp>
+      <p:sp>
+        <p:nvSpPr>
+          <p:cNvPr id="3" name="Espace réservé du contenu 2"/>
+          <p:cNvSpPr>
+            <a:spLocks noGrp="1"/>
+          </p:cNvSpPr>
+          <p:nvPr>
+            <p:ph idx="1"/>
+          </p:nvPr>
+        </p:nvSpPr>
+        <p:spPr/>
+        <p:txBody>
+          <a:bodyPr/>
+          <a:lstStyle/>
+          <a:p>
+            <a:r>
+              <a:rPr lang="fr-FR" dirty="0" err="1" smtClean="0"/>
+              <a:t>Required</a:t>
+            </a:r>
+            <a:endParaRPr lang="fr-FR" dirty="0" smtClean="0"/>
+          </a:p>
+          <a:p>
+            <a:r>
+              <a:rPr lang="fr-FR" dirty="0" smtClean="0"/>
+              <a:t>Validation </a:t>
+            </a:r>
+            <a:r>
+              <a:rPr lang="fr-FR" dirty="0" smtClean="0"/>
+              <a:t>en fonction du type du champ</a:t>
+            </a:r>
+          </a:p>
+          <a:p>
+            <a:endParaRPr lang="fr-FR" dirty="0"/>
+          </a:p>
+          <a:p>
+            <a:endParaRPr lang="fr-FR" dirty="0" smtClean="0"/>
+          </a:p>
+          <a:p>
+            <a:endParaRPr lang="fr-FR" dirty="0"/>
+          </a:p>
+          <a:p>
+            <a:endParaRPr lang="fr-FR" dirty="0" smtClean="0"/>
+          </a:p>
+          <a:p>
+            <a:r>
+              <a:rPr lang="fr-FR" dirty="0" smtClean="0"/>
+              <a:t>Validation en fonction de la longueur</a:t>
+            </a:r>
+            <a:endParaRPr lang="fr-FR" dirty="0"/>
+          </a:p>
+        </p:txBody>
+      </p:sp>
+      <p:pic>
+        <p:nvPicPr>
+          <p:cNvPr id="5122" name="Picture 2"/>
+          <p:cNvPicPr>
+            <a:picLocks noChangeAspect="1" noChangeArrowheads="1"/>
+          </p:cNvPicPr>
+          <p:nvPr/>
+        </p:nvPicPr>
+        <p:blipFill>
+          <a:blip r:embed="rId2">
+            <a:extLst>
+              <a:ext uri="{28A0092B-C50C-407E-A947-70E740481C1C}">
+                <a14:useLocalDpi xmlns:a14="http://schemas.microsoft.com/office/drawing/2010/main" val="0"/>
+              </a:ext>
+            </a:extLst>
+          </a:blip>
+          <a:srcRect/>
+          <a:stretch>
+            <a:fillRect/>
+          </a:stretch>
+        </p:blipFill>
+        <p:spPr bwMode="auto">
+          <a:xfrm>
+            <a:off x="1979712" y="2395736"/>
+            <a:ext cx="5753100" cy="1943100"/>
+          </a:xfrm>
+          <a:prstGeom prst="rect">
+            <a:avLst/>
+          </a:prstGeom>
+          <a:noFill/>
+          <a:ln>
+            <a:noFill/>
+          </a:ln>
+          <a:extLst>
+            <a:ext uri="{909E8E84-426E-40DD-AFC4-6F175D3DCCD1}">
+              <a14:hiddenFill xmlns:a14="http://schemas.microsoft.com/office/drawing/2010/main">
+                <a:solidFill>
+                  <a:schemeClr val="accent1"/>
+                </a:solidFill>
+              </a14:hiddenFill>
+            </a:ext>
+            <a:ext uri="{91240B29-F687-4F45-9708-019B960494DF}">
+              <a14:hiddenLine xmlns:a14="http://schemas.microsoft.com/office/drawing/2010/main" w="9525">
+                <a:solidFill>
+                  <a:schemeClr val="tx1"/>
+                </a:solidFill>
+                <a:miter lim="800000"/>
+                <a:headEnd/>
+                <a:tailEnd/>
+              </a14:hiddenLine>
+            </a:ext>
+          </a:extLst>
+        </p:spPr>
+      </p:pic>
+      <p:pic>
+        <p:nvPicPr>
+          <p:cNvPr id="5123" name="Picture 3"/>
+          <p:cNvPicPr>
+            <a:picLocks noChangeAspect="1" noChangeArrowheads="1"/>
+          </p:cNvPicPr>
+          <p:nvPr/>
+        </p:nvPicPr>
+        <p:blipFill>
+          <a:blip r:embed="rId3">
+            <a:extLst>
+              <a:ext uri="{28A0092B-C50C-407E-A947-70E740481C1C}">
+                <a14:useLocalDpi xmlns:a14="http://schemas.microsoft.com/office/drawing/2010/main" val="0"/>
+              </a:ext>
+            </a:extLst>
+          </a:blip>
+          <a:srcRect/>
+          <a:stretch>
+            <a:fillRect/>
+          </a:stretch>
+        </p:blipFill>
+        <p:spPr bwMode="auto">
+          <a:xfrm>
+            <a:off x="3635896" y="5064621"/>
+            <a:ext cx="1685925" cy="514350"/>
+          </a:xfrm>
+          <a:prstGeom prst="rect">
+            <a:avLst/>
+          </a:prstGeom>
+          <a:noFill/>
+          <a:ln>
+            <a:noFill/>
+          </a:ln>
+          <a:extLst>
+            <a:ext uri="{909E8E84-426E-40DD-AFC4-6F175D3DCCD1}">
+              <a14:hiddenFill xmlns:a14="http://schemas.microsoft.com/office/drawing/2010/main">
+                <a:solidFill>
+                  <a:schemeClr val="accent1"/>
+                </a:solidFill>
+              </a14:hiddenFill>
+            </a:ext>
+            <a:ext uri="{91240B29-F687-4F45-9708-019B960494DF}">
+              <a14:hiddenLine xmlns:a14="http://schemas.microsoft.com/office/drawing/2010/main" w="9525">
+                <a:solidFill>
+                  <a:schemeClr val="tx1"/>
+                </a:solidFill>
+                <a:miter lim="800000"/>
+                <a:headEnd/>
+                <a:tailEnd/>
+              </a14:hiddenLine>
+            </a:ext>
+          </a:extLst>
+        </p:spPr>
+      </p:pic>
+    </p:spTree>
+    <p:extLst>
+      <p:ext uri="{BB962C8B-B14F-4D97-AF65-F5344CB8AC3E}">
+        <p14:creationId xmlns:p14="http://schemas.microsoft.com/office/powerpoint/2010/main" val="747956030"/>
+      </p:ext>
+    </p:extLst>
+  </p:cSld>
+  <p:clrMapOvr>
+    <a:masterClrMapping/>
+  </p:clrMapOvr>
+  <p:timing>
+    <p:tnLst>
+      <p:par>
+        <p:cTn id="1" dur="indefinite" restart="never" nodeType="tmRoot"/>
+      </p:par>
+    </p:tnLst>
+  </p:timing>
+</p:sld>
+</file>
+
 <file path=ppt/slides/slide2.xml><?xml version="1.0" encoding="utf-8"?>
 <p:sld xmlns:a="http://schemas.openxmlformats.org/drawingml/2006/main" xmlns:r="http://schemas.openxmlformats.org/officeDocument/2006/relationships" xmlns:p="http://schemas.openxmlformats.org/presentationml/2006/main">
   <p:cSld>
@@ -4015,11 +5605,15 @@
           <a:p>
             <a:r>
               <a:rPr lang="fr-FR" dirty="0" smtClean="0"/>
-              <a:t>Mais les expressions {{ }} sont </a:t>
+              <a:t>Mais les expressions {{ }} sont one-</a:t>
             </a:r>
             <a:r>
               <a:rPr lang="fr-FR" dirty="0" err="1" smtClean="0"/>
-              <a:t>readonly</a:t>
+              <a:t>way</a:t>
+            </a:r>
+            <a:r>
+              <a:rPr lang="fr-FR" dirty="0" smtClean="0"/>
+              <a:t> data binding</a:t>
             </a:r>
             <a:endParaRPr lang="fr-FR" dirty="0"/>
           </a:p>
@@ -4748,6 +6342,47 @@
           </a:p>
         </p:txBody>
       </p:sp>
+      <p:pic>
+        <p:nvPicPr>
+          <p:cNvPr id="1026" name="Picture 2" descr="Data Binding"/>
+          <p:cNvPicPr>
+            <a:picLocks noChangeAspect="1" noChangeArrowheads="1"/>
+          </p:cNvPicPr>
+          <p:nvPr/>
+        </p:nvPicPr>
+        <p:blipFill>
+          <a:blip r:embed="rId2">
+            <a:extLst>
+              <a:ext uri="{28A0092B-C50C-407E-A947-70E740481C1C}">
+                <a14:useLocalDpi xmlns:a14="http://schemas.microsoft.com/office/drawing/2010/main" val="0"/>
+              </a:ext>
+            </a:extLst>
+          </a:blip>
+          <a:srcRect/>
+          <a:stretch>
+            <a:fillRect/>
+          </a:stretch>
+        </p:blipFill>
+        <p:spPr bwMode="auto">
+          <a:xfrm>
+            <a:off x="5652120" y="3284984"/>
+            <a:ext cx="2859244" cy="2664296"/>
+          </a:xfrm>
+          <a:prstGeom prst="rect">
+            <a:avLst/>
+          </a:prstGeom>
+          <a:noFill/>
+          <a:extLst>
+            <a:ext uri="{909E8E84-426E-40DD-AFC4-6F175D3DCCD1}">
+              <a14:hiddenFill xmlns:a14="http://schemas.microsoft.com/office/drawing/2010/main">
+                <a:solidFill>
+                  <a:srgbClr val="FFFFFF"/>
+                </a:solidFill>
+              </a14:hiddenFill>
+            </a:ext>
+          </a:extLst>
+        </p:spPr>
+      </p:pic>
     </p:spTree>
     <p:extLst>
       <p:ext uri="{BB962C8B-B14F-4D97-AF65-F5344CB8AC3E}">
@@ -4893,10 +6528,377 @@
           </a:p>
         </p:txBody>
       </p:sp>
+      <p:pic>
+        <p:nvPicPr>
+          <p:cNvPr id="2050" name="Picture 2" descr="Data Binding"/>
+          <p:cNvPicPr>
+            <a:picLocks noChangeAspect="1" noChangeArrowheads="1"/>
+          </p:cNvPicPr>
+          <p:nvPr/>
+        </p:nvPicPr>
+        <p:blipFill>
+          <a:blip r:embed="rId2">
+            <a:extLst>
+              <a:ext uri="{28A0092B-C50C-407E-A947-70E740481C1C}">
+                <a14:useLocalDpi xmlns:a14="http://schemas.microsoft.com/office/drawing/2010/main" val="0"/>
+              </a:ext>
+            </a:extLst>
+          </a:blip>
+          <a:srcRect/>
+          <a:stretch>
+            <a:fillRect/>
+          </a:stretch>
+        </p:blipFill>
+        <p:spPr bwMode="auto">
+          <a:xfrm>
+            <a:off x="2123728" y="3573016"/>
+            <a:ext cx="4176464" cy="2554877"/>
+          </a:xfrm>
+          <a:prstGeom prst="rect">
+            <a:avLst/>
+          </a:prstGeom>
+          <a:noFill/>
+          <a:extLst>
+            <a:ext uri="{909E8E84-426E-40DD-AFC4-6F175D3DCCD1}">
+              <a14:hiddenFill xmlns:a14="http://schemas.microsoft.com/office/drawing/2010/main">
+                <a:solidFill>
+                  <a:srgbClr val="FFFFFF"/>
+                </a:solidFill>
+              </a14:hiddenFill>
+            </a:ext>
+          </a:extLst>
+        </p:spPr>
+      </p:pic>
     </p:spTree>
     <p:extLst>
       <p:ext uri="{BB962C8B-B14F-4D97-AF65-F5344CB8AC3E}">
         <p14:creationId xmlns:p14="http://schemas.microsoft.com/office/powerpoint/2010/main" val="558163142"/>
+      </p:ext>
+    </p:extLst>
+  </p:cSld>
+  <p:clrMapOvr>
+    <a:masterClrMapping/>
+  </p:clrMapOvr>
+</p:sld>
+</file>
+
+<file path=ppt/slides/slide8.xml><?xml version="1.0" encoding="utf-8"?>
+<p:sld xmlns:a="http://schemas.openxmlformats.org/drawingml/2006/main" xmlns:r="http://schemas.openxmlformats.org/officeDocument/2006/relationships" xmlns:p="http://schemas.openxmlformats.org/presentationml/2006/main">
+  <p:cSld>
+    <p:spTree>
+      <p:nvGrpSpPr>
+        <p:cNvPr id="1" name=""/>
+        <p:cNvGrpSpPr/>
+        <p:nvPr/>
+      </p:nvGrpSpPr>
+      <p:grpSpPr>
+        <a:xfrm>
+          <a:off x="0" y="0"/>
+          <a:ext cx="0" cy="0"/>
+          <a:chOff x="0" y="0"/>
+          <a:chExt cx="0" cy="0"/>
+        </a:xfrm>
+      </p:grpSpPr>
+      <p:sp>
+        <p:nvSpPr>
+          <p:cNvPr id="2" name="Titre 1"/>
+          <p:cNvSpPr>
+            <a:spLocks noGrp="1"/>
+          </p:cNvSpPr>
+          <p:nvPr>
+            <p:ph type="title"/>
+          </p:nvPr>
+        </p:nvSpPr>
+        <p:spPr/>
+        <p:txBody>
+          <a:bodyPr/>
+          <a:lstStyle/>
+          <a:p>
+            <a:r>
+              <a:rPr lang="fr-FR" dirty="0" smtClean="0"/>
+              <a:t>Binding one </a:t>
+            </a:r>
+            <a:r>
+              <a:rPr lang="fr-FR" dirty="0" err="1" smtClean="0"/>
+              <a:t>way</a:t>
+            </a:r>
+            <a:endParaRPr lang="fr-FR" dirty="0"/>
+          </a:p>
+        </p:txBody>
+      </p:sp>
+      <p:sp>
+        <p:nvSpPr>
+          <p:cNvPr id="3" name="Espace réservé du contenu 2"/>
+          <p:cNvSpPr>
+            <a:spLocks noGrp="1"/>
+          </p:cNvSpPr>
+          <p:nvPr>
+            <p:ph idx="1"/>
+          </p:nvPr>
+        </p:nvSpPr>
+        <p:spPr/>
+        <p:txBody>
+          <a:bodyPr/>
+          <a:lstStyle/>
+          <a:p>
+            <a:r>
+              <a:rPr lang="fr-FR" dirty="0" smtClean="0"/>
+              <a:t>One </a:t>
+            </a:r>
+            <a:r>
+              <a:rPr lang="fr-FR" dirty="0" err="1" smtClean="0"/>
+              <a:t>way</a:t>
+            </a:r>
+            <a:endParaRPr lang="fr-FR" dirty="0" smtClean="0"/>
+          </a:p>
+          <a:p>
+            <a:pPr lvl="1"/>
+            <a:r>
+              <a:rPr lang="fr-FR" dirty="0" smtClean="0"/>
+              <a:t>De la source de données vers la </a:t>
+            </a:r>
+            <a:r>
+              <a:rPr lang="fr-FR" dirty="0" err="1" smtClean="0"/>
+              <a:t>view</a:t>
+            </a:r>
+            <a:endParaRPr lang="fr-FR" dirty="0" smtClean="0"/>
+          </a:p>
+          <a:p>
+            <a:pPr lvl="1"/>
+            <a:r>
+              <a:rPr lang="fr-FR" dirty="0" smtClean="0"/>
+              <a:t>Vous connaissez {{expression}}</a:t>
+            </a:r>
+          </a:p>
+          <a:p>
+            <a:pPr lvl="1"/>
+            <a:r>
+              <a:rPr lang="fr-FR" dirty="0" smtClean="0"/>
+              <a:t>[</a:t>
+            </a:r>
+            <a:r>
+              <a:rPr lang="fr-FR" dirty="0" err="1"/>
+              <a:t>target</a:t>
+            </a:r>
+            <a:r>
+              <a:rPr lang="fr-FR" dirty="0"/>
+              <a:t>]="expression</a:t>
+            </a:r>
+            <a:r>
+              <a:rPr lang="fr-FR" dirty="0" smtClean="0"/>
+              <a:t>" est également un binding</a:t>
+            </a:r>
+          </a:p>
+          <a:p>
+            <a:pPr lvl="1"/>
+            <a:r>
+              <a:rPr lang="fr-FR" dirty="0" smtClean="0"/>
+              <a:t>Sera utilisé pour les paramètres</a:t>
+            </a:r>
+            <a:endParaRPr lang="fr-FR" dirty="0"/>
+          </a:p>
+          <a:p>
+            <a:pPr lvl="1"/>
+            <a:r>
+              <a:rPr lang="fr-FR" dirty="0" smtClean="0"/>
+              <a:t>Peut se </a:t>
+            </a:r>
+            <a:r>
+              <a:rPr lang="fr-FR" dirty="0" err="1" smtClean="0"/>
+              <a:t>réecrire</a:t>
+            </a:r>
+            <a:r>
+              <a:rPr lang="fr-FR" dirty="0" smtClean="0"/>
+              <a:t> </a:t>
+            </a:r>
+            <a:r>
+              <a:rPr lang="fr-FR" dirty="0" err="1" smtClean="0"/>
+              <a:t>bind-target</a:t>
+            </a:r>
+            <a:r>
+              <a:rPr lang="fr-FR" dirty="0"/>
+              <a:t>="expression"</a:t>
+            </a:r>
+          </a:p>
+          <a:p>
+            <a:pPr lvl="1"/>
+            <a:endParaRPr lang="fr-FR" dirty="0"/>
+          </a:p>
+        </p:txBody>
+      </p:sp>
+    </p:spTree>
+    <p:extLst>
+      <p:ext uri="{BB962C8B-B14F-4D97-AF65-F5344CB8AC3E}">
+        <p14:creationId xmlns:p14="http://schemas.microsoft.com/office/powerpoint/2010/main" val="1527141041"/>
+      </p:ext>
+    </p:extLst>
+  </p:cSld>
+  <p:clrMapOvr>
+    <a:masterClrMapping/>
+  </p:clrMapOvr>
+</p:sld>
+</file>
+
+<file path=ppt/slides/slide9.xml><?xml version="1.0" encoding="utf-8"?>
+<p:sld xmlns:a="http://schemas.openxmlformats.org/drawingml/2006/main" xmlns:r="http://schemas.openxmlformats.org/officeDocument/2006/relationships" xmlns:p="http://schemas.openxmlformats.org/presentationml/2006/main">
+  <p:cSld>
+    <p:spTree>
+      <p:nvGrpSpPr>
+        <p:cNvPr id="1" name=""/>
+        <p:cNvGrpSpPr/>
+        <p:nvPr/>
+      </p:nvGrpSpPr>
+      <p:grpSpPr>
+        <a:xfrm>
+          <a:off x="0" y="0"/>
+          <a:ext cx="0" cy="0"/>
+          <a:chOff x="0" y="0"/>
+          <a:chExt cx="0" cy="0"/>
+        </a:xfrm>
+      </p:grpSpPr>
+      <p:sp>
+        <p:nvSpPr>
+          <p:cNvPr id="2" name="Titre 1"/>
+          <p:cNvSpPr>
+            <a:spLocks noGrp="1"/>
+          </p:cNvSpPr>
+          <p:nvPr>
+            <p:ph type="title"/>
+          </p:nvPr>
+        </p:nvSpPr>
+        <p:spPr/>
+        <p:txBody>
+          <a:bodyPr/>
+          <a:lstStyle/>
+          <a:p>
+            <a:r>
+              <a:rPr lang="fr-FR" dirty="0" smtClean="0"/>
+              <a:t>Binding one </a:t>
+            </a:r>
+            <a:r>
+              <a:rPr lang="fr-FR" dirty="0" err="1" smtClean="0"/>
+              <a:t>way</a:t>
+            </a:r>
+            <a:r>
+              <a:rPr lang="fr-FR" dirty="0" smtClean="0"/>
+              <a:t> to source</a:t>
+            </a:r>
+            <a:endParaRPr lang="fr-FR" dirty="0"/>
+          </a:p>
+        </p:txBody>
+      </p:sp>
+      <p:sp>
+        <p:nvSpPr>
+          <p:cNvPr id="3" name="Espace réservé du contenu 2"/>
+          <p:cNvSpPr>
+            <a:spLocks noGrp="1"/>
+          </p:cNvSpPr>
+          <p:nvPr>
+            <p:ph idx="1"/>
+          </p:nvPr>
+        </p:nvSpPr>
+        <p:spPr/>
+        <p:txBody>
+          <a:bodyPr/>
+          <a:lstStyle/>
+          <a:p>
+            <a:r>
+              <a:rPr lang="fr-FR" dirty="0" smtClean="0"/>
+              <a:t>Le binding one </a:t>
+            </a:r>
+            <a:r>
+              <a:rPr lang="fr-FR" dirty="0" err="1" smtClean="0"/>
+              <a:t>way</a:t>
+            </a:r>
+            <a:r>
+              <a:rPr lang="fr-FR" dirty="0" smtClean="0"/>
+              <a:t> to source </a:t>
+            </a:r>
+            <a:r>
+              <a:rPr lang="fr-FR" dirty="0" err="1" smtClean="0"/>
+              <a:t>bind</a:t>
+            </a:r>
+            <a:r>
+              <a:rPr lang="fr-FR" dirty="0" smtClean="0"/>
+              <a:t> de la </a:t>
+            </a:r>
+            <a:r>
+              <a:rPr lang="fr-FR" dirty="0" err="1" smtClean="0"/>
+              <a:t>view</a:t>
+            </a:r>
+            <a:r>
+              <a:rPr lang="fr-FR" dirty="0" smtClean="0"/>
+              <a:t> vers la source de données</a:t>
+            </a:r>
+          </a:p>
+          <a:p>
+            <a:pPr lvl="1"/>
+            <a:r>
+              <a:rPr lang="fr-FR" dirty="0"/>
+              <a:t>(</a:t>
+            </a:r>
+            <a:r>
+              <a:rPr lang="fr-FR" dirty="0" err="1"/>
+              <a:t>target</a:t>
+            </a:r>
+            <a:r>
+              <a:rPr lang="fr-FR" dirty="0"/>
+              <a:t>)="</a:t>
+            </a:r>
+            <a:r>
+              <a:rPr lang="fr-FR" dirty="0" err="1"/>
+              <a:t>statement</a:t>
+            </a:r>
+            <a:r>
+              <a:rPr lang="fr-FR" dirty="0" smtClean="0"/>
+              <a:t>"</a:t>
+            </a:r>
+          </a:p>
+          <a:p>
+            <a:pPr lvl="1"/>
+            <a:r>
+              <a:rPr lang="fr-FR" dirty="0" smtClean="0"/>
+              <a:t>Un évènement est en fait un binding one-</a:t>
+            </a:r>
+            <a:r>
+              <a:rPr lang="fr-FR" dirty="0" err="1" smtClean="0"/>
+              <a:t>way</a:t>
+            </a:r>
+            <a:r>
+              <a:rPr lang="fr-FR" dirty="0" smtClean="0"/>
+              <a:t> to source</a:t>
+            </a:r>
+            <a:endParaRPr lang="fr-FR" dirty="0"/>
+          </a:p>
+          <a:p>
+            <a:pPr lvl="1"/>
+            <a:r>
+              <a:rPr lang="fr-FR" dirty="0" smtClean="0"/>
+              <a:t>Peut se réécrire on-</a:t>
+            </a:r>
+            <a:r>
+              <a:rPr lang="fr-FR" dirty="0" err="1" smtClean="0"/>
+              <a:t>target</a:t>
+            </a:r>
+            <a:r>
+              <a:rPr lang="fr-FR" dirty="0"/>
+              <a:t>="</a:t>
+            </a:r>
+            <a:r>
+              <a:rPr lang="fr-FR" dirty="0" err="1"/>
+              <a:t>statement</a:t>
+            </a:r>
+            <a:r>
+              <a:rPr lang="fr-FR" dirty="0"/>
+              <a:t>"</a:t>
+            </a:r>
+          </a:p>
+        </p:txBody>
+      </p:sp>
+    </p:spTree>
+    <p:extLst>
+      <p:ext uri="{BB962C8B-B14F-4D97-AF65-F5344CB8AC3E}">
+        <p14:creationId xmlns:p14="http://schemas.microsoft.com/office/powerpoint/2010/main" val="1607710186"/>
       </p:ext>
     </p:extLst>
   </p:cSld>
